--- a/parameter handling.pptx
+++ b/parameter handling.pptx
@@ -133,10 +133,25 @@
   <pc:docChgLst>
     <pc:chgData name="Michael Nicholls" userId="6033f3a2197de820" providerId="LiveId" clId="{D9CF8376-C984-4F0B-B45B-B9095643EBBA}"/>
     <pc:docChg chg="custSel addSld modSld">
-      <pc:chgData name="Michael Nicholls" userId="6033f3a2197de820" providerId="LiveId" clId="{D9CF8376-C984-4F0B-B45B-B9095643EBBA}" dt="2025-07-10T14:25:53.330" v="1644" actId="20577"/>
+      <pc:chgData name="Michael Nicholls" userId="6033f3a2197de820" providerId="LiveId" clId="{D9CF8376-C984-4F0B-B45B-B9095643EBBA}" dt="2025-07-10T14:32:35.642" v="1770" actId="20577"/>
       <pc:docMkLst>
         <pc:docMk/>
       </pc:docMkLst>
+      <pc:sldChg chg="modSp mod">
+        <pc:chgData name="Michael Nicholls" userId="6033f3a2197de820" providerId="LiveId" clId="{D9CF8376-C984-4F0B-B45B-B9095643EBBA}" dt="2025-07-10T14:32:35.642" v="1770" actId="20577"/>
+        <pc:sldMkLst>
+          <pc:docMk/>
+          <pc:sldMk cId="3705743432" sldId="256"/>
+        </pc:sldMkLst>
+        <pc:spChg chg="mod">
+          <ac:chgData name="Michael Nicholls" userId="6033f3a2197de820" providerId="LiveId" clId="{D9CF8376-C984-4F0B-B45B-B9095643EBBA}" dt="2025-07-10T14:32:35.642" v="1770" actId="20577"/>
+          <ac:spMkLst>
+            <pc:docMk/>
+            <pc:sldMk cId="3705743432" sldId="256"/>
+            <ac:spMk id="3" creationId="{17B6FFD9-CE58-760D-C9F8-DF7D1F6B7B68}"/>
+          </ac:spMkLst>
+        </pc:spChg>
+      </pc:sldChg>
       <pc:sldChg chg="modSp mod">
         <pc:chgData name="Michael Nicholls" userId="6033f3a2197de820" providerId="LiveId" clId="{D9CF8376-C984-4F0B-B45B-B9095643EBBA}" dt="2025-07-09T14:46:24.985" v="99" actId="20577"/>
         <pc:sldMkLst>
@@ -3541,7 +3556,16 @@
           <a:bodyPr/>
           <a:lstStyle/>
           <a:p>
-            <a:endParaRPr lang="en-AU"/>
+            <a:r>
+              <a:rPr lang="en-AU" dirty="0"/>
+              <a:t>Adding PARAMETER and WRITE functionality to newer ABAP</a:t>
+            </a:r>
+          </a:p>
+          <a:p>
+            <a:r>
+              <a:rPr lang="en-AU"/>
+              <a:t>environments</a:t>
+            </a:r>
           </a:p>
         </p:txBody>
       </p:sp>

--- a/parameter handling.pptx
+++ b/parameter handling.pptx
@@ -132,8 +132,8 @@
 <pc:chgInfo xmlns:a="http://schemas.openxmlformats.org/drawingml/2006/main" xmlns:r="http://schemas.openxmlformats.org/officeDocument/2006/relationships" xmlns:ac="http://schemas.microsoft.com/office/drawing/2013/main/command" xmlns:pc="http://schemas.microsoft.com/office/powerpoint/2013/main/command">
   <pc:docChgLst>
     <pc:chgData name="Michael Nicholls" userId="6033f3a2197de820" providerId="LiveId" clId="{D9CF8376-C984-4F0B-B45B-B9095643EBBA}"/>
-    <pc:docChg chg="custSel addSld modSld">
-      <pc:chgData name="Michael Nicholls" userId="6033f3a2197de820" providerId="LiveId" clId="{D9CF8376-C984-4F0B-B45B-B9095643EBBA}" dt="2025-07-10T14:32:35.642" v="1770" actId="20577"/>
+    <pc:docChg chg="undo custSel addSld modSld">
+      <pc:chgData name="Michael Nicholls" userId="6033f3a2197de820" providerId="LiveId" clId="{D9CF8376-C984-4F0B-B45B-B9095643EBBA}" dt="2025-07-19T13:36:36.171" v="2050" actId="20577"/>
       <pc:docMkLst>
         <pc:docMk/>
       </pc:docMkLst>
@@ -168,7 +168,7 @@
         </pc:spChg>
       </pc:sldChg>
       <pc:sldChg chg="modSp mod">
-        <pc:chgData name="Michael Nicholls" userId="6033f3a2197de820" providerId="LiveId" clId="{D9CF8376-C984-4F0B-B45B-B9095643EBBA}" dt="2025-07-09T15:09:23.537" v="638" actId="20577"/>
+        <pc:chgData name="Michael Nicholls" userId="6033f3a2197de820" providerId="LiveId" clId="{D9CF8376-C984-4F0B-B45B-B9095643EBBA}" dt="2025-07-19T13:36:36.171" v="2050" actId="20577"/>
         <pc:sldMkLst>
           <pc:docMk/>
           <pc:sldMk cId="2300141952" sldId="258"/>
@@ -182,7 +182,7 @@
           </ac:spMkLst>
         </pc:spChg>
         <pc:spChg chg="mod">
-          <ac:chgData name="Michael Nicholls" userId="6033f3a2197de820" providerId="LiveId" clId="{D9CF8376-C984-4F0B-B45B-B9095643EBBA}" dt="2025-07-09T15:09:23.537" v="638" actId="20577"/>
+          <ac:chgData name="Michael Nicholls" userId="6033f3a2197de820" providerId="LiveId" clId="{D9CF8376-C984-4F0B-B45B-B9095643EBBA}" dt="2025-07-19T13:36:36.171" v="2050" actId="20577"/>
           <ac:spMkLst>
             <pc:docMk/>
             <pc:sldMk cId="2300141952" sldId="258"/>
@@ -421,7 +421,7 @@
           <a:p>
             <a:fld id="{929A7191-38B7-4BFF-89EB-0F2BCA38790F}" type="datetimeFigureOut">
               <a:rPr lang="en-AU" smtClean="0"/>
-              <a:t>10-July-2025</a:t>
+              <a:t>19-July-2025</a:t>
             </a:fld>
             <a:endParaRPr lang="en-AU"/>
           </a:p>
@@ -621,7 +621,7 @@
           <a:p>
             <a:fld id="{929A7191-38B7-4BFF-89EB-0F2BCA38790F}" type="datetimeFigureOut">
               <a:rPr lang="en-AU" smtClean="0"/>
-              <a:t>10-July-2025</a:t>
+              <a:t>19-July-2025</a:t>
             </a:fld>
             <a:endParaRPr lang="en-AU"/>
           </a:p>
@@ -831,7 +831,7 @@
           <a:p>
             <a:fld id="{929A7191-38B7-4BFF-89EB-0F2BCA38790F}" type="datetimeFigureOut">
               <a:rPr lang="en-AU" smtClean="0"/>
-              <a:t>10-July-2025</a:t>
+              <a:t>19-July-2025</a:t>
             </a:fld>
             <a:endParaRPr lang="en-AU"/>
           </a:p>
@@ -1031,7 +1031,7 @@
           <a:p>
             <a:fld id="{929A7191-38B7-4BFF-89EB-0F2BCA38790F}" type="datetimeFigureOut">
               <a:rPr lang="en-AU" smtClean="0"/>
-              <a:t>10-July-2025</a:t>
+              <a:t>19-July-2025</a:t>
             </a:fld>
             <a:endParaRPr lang="en-AU"/>
           </a:p>
@@ -1307,7 +1307,7 @@
           <a:p>
             <a:fld id="{929A7191-38B7-4BFF-89EB-0F2BCA38790F}" type="datetimeFigureOut">
               <a:rPr lang="en-AU" smtClean="0"/>
-              <a:t>10-July-2025</a:t>
+              <a:t>19-July-2025</a:t>
             </a:fld>
             <a:endParaRPr lang="en-AU"/>
           </a:p>
@@ -1575,7 +1575,7 @@
           <a:p>
             <a:fld id="{929A7191-38B7-4BFF-89EB-0F2BCA38790F}" type="datetimeFigureOut">
               <a:rPr lang="en-AU" smtClean="0"/>
-              <a:t>10-July-2025</a:t>
+              <a:t>19-July-2025</a:t>
             </a:fld>
             <a:endParaRPr lang="en-AU"/>
           </a:p>
@@ -1990,7 +1990,7 @@
           <a:p>
             <a:fld id="{929A7191-38B7-4BFF-89EB-0F2BCA38790F}" type="datetimeFigureOut">
               <a:rPr lang="en-AU" smtClean="0"/>
-              <a:t>10-July-2025</a:t>
+              <a:t>19-July-2025</a:t>
             </a:fld>
             <a:endParaRPr lang="en-AU"/>
           </a:p>
@@ -2132,7 +2132,7 @@
           <a:p>
             <a:fld id="{929A7191-38B7-4BFF-89EB-0F2BCA38790F}" type="datetimeFigureOut">
               <a:rPr lang="en-AU" smtClean="0"/>
-              <a:t>10-July-2025</a:t>
+              <a:t>19-July-2025</a:t>
             </a:fld>
             <a:endParaRPr lang="en-AU"/>
           </a:p>
@@ -2245,7 +2245,7 @@
           <a:p>
             <a:fld id="{929A7191-38B7-4BFF-89EB-0F2BCA38790F}" type="datetimeFigureOut">
               <a:rPr lang="en-AU" smtClean="0"/>
-              <a:t>10-July-2025</a:t>
+              <a:t>19-July-2025</a:t>
             </a:fld>
             <a:endParaRPr lang="en-AU"/>
           </a:p>
@@ -2558,7 +2558,7 @@
           <a:p>
             <a:fld id="{929A7191-38B7-4BFF-89EB-0F2BCA38790F}" type="datetimeFigureOut">
               <a:rPr lang="en-AU" smtClean="0"/>
-              <a:t>10-July-2025</a:t>
+              <a:t>19-July-2025</a:t>
             </a:fld>
             <a:endParaRPr lang="en-AU"/>
           </a:p>
@@ -2847,7 +2847,7 @@
           <a:p>
             <a:fld id="{929A7191-38B7-4BFF-89EB-0F2BCA38790F}" type="datetimeFigureOut">
               <a:rPr lang="en-AU" smtClean="0"/>
-              <a:t>10-July-2025</a:t>
+              <a:t>19-July-2025</a:t>
             </a:fld>
             <a:endParaRPr lang="en-AU"/>
           </a:p>
@@ -3090,7 +3090,7 @@
           <a:p>
             <a:fld id="{929A7191-38B7-4BFF-89EB-0F2BCA38790F}" type="datetimeFigureOut">
               <a:rPr lang="en-AU" smtClean="0"/>
-              <a:t>10-July-2025</a:t>
+              <a:t>19-July-2025</a:t>
             </a:fld>
             <a:endParaRPr lang="en-AU"/>
           </a:p>
@@ -4145,7 +4145,7 @@
         <p:spPr/>
         <p:txBody>
           <a:bodyPr>
-            <a:normAutofit fontScale="85000" lnSpcReduction="20000"/>
+            <a:normAutofit fontScale="62500" lnSpcReduction="20000"/>
           </a:bodyPr>
           <a:lstStyle/>
           <a:p>
@@ -4172,7 +4172,7 @@
             <a:pPr lvl="1"/>
             <a:r>
               <a:rPr lang="en-AU" dirty="0"/>
-              <a:t>Right click ZMN_HTTP and Test service</a:t>
+              <a:t>Right click ZMN_HTTP and select Test service</a:t>
             </a:r>
           </a:p>
           <a:p>
@@ -4192,7 +4192,7 @@
             <a:pPr lvl="1"/>
             <a:r>
               <a:rPr lang="en-AU" dirty="0"/>
-              <a:t>Open ZCL_PARAMS_HTTP</a:t>
+              <a:t>Open Connectivity -&gt; HTTP Service -&gt; ZCL_PARAMS_HTTP</a:t>
             </a:r>
           </a:p>
           <a:p>
@@ -4203,6 +4203,24 @@
             </a:r>
           </a:p>
           <a:p>
+            <a:pPr lvl="1"/>
+            <a:r>
+              <a:rPr lang="en-AU" dirty="0"/>
+              <a:t>Enter your BTP </a:t>
+            </a:r>
+            <a:r>
+              <a:rPr lang="en-AU"/>
+              <a:t>ABAP credentials</a:t>
+            </a:r>
+            <a:endParaRPr lang="en-AU" dirty="0"/>
+          </a:p>
+          <a:p>
+            <a:r>
+              <a:rPr lang="en-AU" dirty="0"/>
+              <a:t>Optional URL parameters: class=ZCL_ZZZ and method=METHOD</a:t>
+            </a:r>
+          </a:p>
+          <a:p>
             <a:r>
               <a:rPr lang="en-AU" dirty="0"/>
               <a:t>Check that ZCL_MN_DEMO is active</a:t>
@@ -4211,7 +4229,7 @@
           <a:p>
             <a:r>
               <a:rPr lang="en-AU" dirty="0"/>
-              <a:t>You can test with Global Class ZCL_MN_DEMO, Method INIT</a:t>
+              <a:t>You can test with Global class: ZCL_MN_DEMO, Method: INIT -&gt; Execute</a:t>
             </a:r>
           </a:p>
           <a:p>
@@ -4223,7 +4241,7 @@
           <a:p>
             <a:r>
               <a:rPr lang="en-AU" dirty="0"/>
-              <a:t>Use method MAIN</a:t>
+              <a:t>Set method to MAIN -&gt; execute</a:t>
             </a:r>
           </a:p>
           <a:p>
